--- a/Measurement Analysis/K15T2-Team2-Team Assignment2/K15T2-Team2-Team Assignment2.pptx
+++ b/Measurement Analysis/K15T2-Team2-Team Assignment2/K15T2-Team2-Team Assignment2.pptx
@@ -3291,7 +3291,7 @@
           <a:graphicData uri="http://schemas.openxmlformats.org/presentationml/2006/ole">
             <mc:AlternateContent xmlns:mc="http://schemas.openxmlformats.org/markup-compatibility/2006">
               <mc:Choice xmlns:v="urn:schemas-microsoft-com:vml" Requires="v">
-                <p:oleObj spid="_x0000_s1165" name="Image" r:id="rId15" imgW="3301587" imgH="9752381" progId="Photoshop.Image.7">
+                <p:oleObj spid="_x0000_s1167" name="Image" r:id="rId15" imgW="3301587" imgH="9752381" progId="Photoshop.Image.7">
                   <p:embed/>
                 </p:oleObj>
               </mc:Choice>
@@ -5914,13 +5914,13 @@
   <p:clrMapOvr>
     <a:masterClrMapping/>
   </p:clrMapOvr>
-  <mc:AlternateContent xmlns:mc="http://schemas.openxmlformats.org/markup-compatibility/2006">
-    <mc:Choice xmlns:p14="http://schemas.microsoft.com/office/powerpoint/2010/main" Requires="p14">
+  <mc:AlternateContent xmlns:mc="http://schemas.openxmlformats.org/markup-compatibility/2006" xmlns:p14="http://schemas.microsoft.com/office/powerpoint/2010/main">
+    <mc:Choice Requires="p14">
       <p:transition spd="slow" p14:dur="800">
         <p:circle/>
       </p:transition>
     </mc:Choice>
-    <mc:Fallback>
+    <mc:Fallback xmlns="">
       <p:transition spd="slow">
         <p:circle/>
       </p:transition>
@@ -8127,13 +8127,13 @@
   <p:clrMapOvr>
     <a:masterClrMapping/>
   </p:clrMapOvr>
-  <mc:AlternateContent xmlns:mc="http://schemas.openxmlformats.org/markup-compatibility/2006">
-    <mc:Choice xmlns:p14="http://schemas.microsoft.com/office/powerpoint/2010/main" Requires="p14">
+  <mc:AlternateContent xmlns:mc="http://schemas.openxmlformats.org/markup-compatibility/2006" xmlns:p14="http://schemas.microsoft.com/office/powerpoint/2010/main">
+    <mc:Choice Requires="p14">
       <p:transition spd="slow">
         <p14:flash/>
       </p:transition>
     </mc:Choice>
-    <mc:Fallback>
+    <mc:Fallback xmlns="">
       <p:transition spd="slow">
         <p:fade/>
       </p:transition>
@@ -8477,14 +8477,14 @@
           <p:nvPr>
             <p:extLst>
               <p:ext uri="{D42A27DB-BD31-4B8C-83A1-F6EECF244321}">
-                <p14:modId xmlns:p14="http://schemas.microsoft.com/office/powerpoint/2010/main" val="2172262227"/>
+                <p14:modId xmlns:p14="http://schemas.microsoft.com/office/powerpoint/2010/main" val="1949090705"/>
               </p:ext>
             </p:extLst>
           </p:nvPr>
         </p:nvGraphicFramePr>
         <p:xfrm>
           <a:off x="304799" y="1066800"/>
-          <a:ext cx="8776902" cy="10057894"/>
+          <a:ext cx="8776902" cy="8395970"/>
         </p:xfrm>
         <a:graphic>
           <a:graphicData uri="http://schemas.openxmlformats.org/drawingml/2006/table">
@@ -8808,7 +8808,7 @@
                         </a:spcAft>
                       </a:pPr>
                       <a:r>
-                        <a:rPr lang="en-US" sz="1600" dirty="0">
+                        <a:rPr lang="en-US" sz="1600" smtClean="0">
                           <a:effectLst/>
                         </a:rPr>
                         <a:t>- The actual progress (measured by person-month): A</a:t>
@@ -8827,7 +8827,7 @@
                         </a:spcAft>
                       </a:pPr>
                       <a:r>
-                        <a:rPr lang="en-US" sz="1600" dirty="0">
+                        <a:rPr lang="en-US" sz="1600" smtClean="0">
                           <a:effectLst/>
                         </a:rPr>
                         <a:t>- The estimate progress (measured by person-month): E</a:t>
@@ -8846,92 +8846,11 @@
                         </a:spcAft>
                       </a:pPr>
                       <a:r>
-                        <a:rPr lang="en-US" sz="1600" dirty="0">
+                        <a:rPr lang="en-US" sz="1600" smtClean="0">
                           <a:effectLst/>
                         </a:rPr>
-                        <a:t>- Deviation of </a:t>
+                        <a:t>- Deviation of the progress estimate (measured by %): D</a:t>
                       </a:r>
-                      <a:r>
-                        <a:rPr lang="en-US" sz="1600" dirty="0" smtClean="0">
-                          <a:effectLst/>
-                        </a:rPr>
-                        <a:t>t- Numbers of risk identified (measured by ???): E</a:t>
-                      </a:r>
-                    </a:p>
-                    <a:p>
-                      <a:pPr marL="0" marR="0">
-                        <a:lnSpc>
-                          <a:spcPct val="115000"/>
-                        </a:lnSpc>
-                        <a:spcBef>
-                          <a:spcPts val="0"/>
-                        </a:spcBef>
-                        <a:spcAft>
-                          <a:spcPts val="1000"/>
-                        </a:spcAft>
-                      </a:pPr>
-                      <a:r>
-                        <a:rPr lang="en-US" sz="1600" dirty="0" smtClean="0">
-                          <a:effectLst/>
-                        </a:rPr>
-                        <a:t>- Numbers of problem occurred during all process (measured by ???): A</a:t>
-                      </a:r>
-                    </a:p>
-                    <a:p>
-                      <a:pPr marL="0" marR="0">
-                        <a:lnSpc>
-                          <a:spcPct val="115000"/>
-                        </a:lnSpc>
-                        <a:spcBef>
-                          <a:spcPts val="0"/>
-                        </a:spcBef>
-                        <a:spcAft>
-                          <a:spcPts val="1000"/>
-                        </a:spcAft>
-                      </a:pPr>
-                      <a:r>
-                        <a:rPr lang="en-US" sz="1600" dirty="0" smtClean="0">
-                          <a:effectLst/>
-                        </a:rPr>
-                        <a:t>- Deviation of the risk estimate (measured by %): D</a:t>
-                      </a:r>
-                      <a:endParaRPr lang="en-US" sz="1600" dirty="0" smtClean="0">
-                        <a:effectLst/>
-                        <a:latin typeface="Calibri"/>
-                        <a:ea typeface="Calibri"/>
-                        <a:cs typeface="Times New Roman"/>
-                      </a:endParaRPr>
-                    </a:p>
-                    <a:p>
-                      <a:pPr marL="0" marR="0">
-                        <a:lnSpc>
-                          <a:spcPct val="115000"/>
-                        </a:lnSpc>
-                        <a:spcBef>
-                          <a:spcPts val="0"/>
-                        </a:spcBef>
-                        <a:spcAft>
-                          <a:spcPts val="1000"/>
-                        </a:spcAft>
-                      </a:pPr>
-                      <a:r>
-                        <a:rPr lang="en-US" sz="1600" dirty="0" smtClean="0">
-                          <a:effectLst/>
-                        </a:rPr>
-                        <a:t>he </a:t>
-                      </a:r>
-                      <a:r>
-                        <a:rPr lang="en-US" sz="1600" dirty="0">
-                          <a:effectLst/>
-                        </a:rPr>
-                        <a:t>progress estimate (measured by %): D</a:t>
-                      </a:r>
-                      <a:endParaRPr lang="en-US" sz="1600" dirty="0">
-                        <a:effectLst/>
-                        <a:latin typeface="Calibri"/>
-                        <a:ea typeface="Calibri"/>
-                        <a:cs typeface="Times New Roman"/>
-                      </a:endParaRPr>
                     </a:p>
                   </a:txBody>
                   <a:tcPr marL="59635" marR="59635" marT="0" marB="0"/>
@@ -9133,6 +9052,72 @@
                           <a:spcPts val="1000"/>
                         </a:spcAft>
                       </a:pPr>
+                      <a:r>
+                        <a:rPr lang="en-US" sz="1600" smtClean="0">
+                          <a:effectLst/>
+                          <a:latin typeface="Calibri"/>
+                          <a:ea typeface="Calibri"/>
+                          <a:cs typeface="Times New Roman"/>
+                        </a:rPr>
+                        <a:t>- Numbers of risk identified (measured by risks): E</a:t>
+                      </a:r>
+                    </a:p>
+                    <a:p>
+                      <a:pPr marL="0" marR="0">
+                        <a:lnSpc>
+                          <a:spcPct val="115000"/>
+                        </a:lnSpc>
+                        <a:spcBef>
+                          <a:spcPts val="0"/>
+                        </a:spcBef>
+                        <a:spcAft>
+                          <a:spcPts val="1000"/>
+                        </a:spcAft>
+                      </a:pPr>
+                      <a:r>
+                        <a:rPr lang="en-US" sz="1600" smtClean="0">
+                          <a:effectLst/>
+                          <a:latin typeface="Calibri"/>
+                          <a:ea typeface="Calibri"/>
+                          <a:cs typeface="Times New Roman"/>
+                        </a:rPr>
+                        <a:t>- Numbers of problem occurred during all process (measured by risks): A</a:t>
+                      </a:r>
+                    </a:p>
+                    <a:p>
+                      <a:pPr marL="0" marR="0">
+                        <a:lnSpc>
+                          <a:spcPct val="115000"/>
+                        </a:lnSpc>
+                        <a:spcBef>
+                          <a:spcPts val="0"/>
+                        </a:spcBef>
+                        <a:spcAft>
+                          <a:spcPts val="1000"/>
+                        </a:spcAft>
+                      </a:pPr>
+                      <a:r>
+                        <a:rPr lang="en-US" sz="1600" smtClean="0">
+                          <a:effectLst/>
+                          <a:latin typeface="Calibri"/>
+                          <a:ea typeface="Calibri"/>
+                          <a:cs typeface="Times New Roman"/>
+                        </a:rPr>
+                        <a:t>- Deviation of the risk estimate (measured by %): D</a:t>
+                      </a:r>
+                    </a:p>
+                    <a:p>
+                      <a:pPr marL="0" marR="0">
+                        <a:lnSpc>
+                          <a:spcPct val="115000"/>
+                        </a:lnSpc>
+                        <a:spcBef>
+                          <a:spcPts val="0"/>
+                        </a:spcBef>
+                        <a:spcAft>
+                          <a:spcPts val="1000"/>
+                        </a:spcAft>
+                      </a:pPr>
                       <a:endParaRPr lang="en-US" sz="1600" dirty="0">
                         <a:effectLst/>
                         <a:latin typeface="Calibri"/>
@@ -9322,7 +9307,7 @@
                         </a:spcAft>
                       </a:pPr>
                       <a:r>
-                        <a:rPr lang="en-US" sz="1600">
+                        <a:rPr lang="en-US" sz="1600" smtClean="0">
                           <a:effectLst/>
                         </a:rPr>
                         <a:t>- The actual cost (measured by person-month): A</a:t>
@@ -9341,7 +9326,7 @@
                         </a:spcAft>
                       </a:pPr>
                       <a:r>
-                        <a:rPr lang="en-US" sz="1600">
+                        <a:rPr lang="en-US" sz="1600" smtClean="0">
                           <a:effectLst/>
                         </a:rPr>
                         <a:t>- The estimated cost (measured by person-month): E</a:t>
@@ -9360,17 +9345,11 @@
                         </a:spcAft>
                       </a:pPr>
                       <a:r>
-                        <a:rPr lang="en-US" sz="1600">
+                        <a:rPr lang="en-US" sz="1600" smtClean="0">
                           <a:effectLst/>
                         </a:rPr>
                         <a:t>- Deviation of the cost estimate (measured by %): D</a:t>
                       </a:r>
-                      <a:endParaRPr lang="en-US" sz="1600">
-                        <a:effectLst/>
-                        <a:latin typeface="Calibri"/>
-                        <a:ea typeface="Calibri"/>
-                        <a:cs typeface="Times New Roman"/>
-                      </a:endParaRPr>
                     </a:p>
                   </a:txBody>
                   <a:tcPr marL="59635" marR="59635" marT="0" marB="0"/>
@@ -9486,7 +9465,7 @@
         </p:blipFill>
         <p:spPr bwMode="auto">
           <a:xfrm>
-            <a:off x="5791200" y="2895600"/>
+            <a:off x="5791200" y="2057400"/>
             <a:ext cx="1676400" cy="838200"/>
           </a:xfrm>
           <a:prstGeom prst="rect">
@@ -9644,13 +9623,13 @@
   <p:clrMapOvr>
     <a:masterClrMapping/>
   </p:clrMapOvr>
-  <mc:AlternateContent xmlns:mc="http://schemas.openxmlformats.org/markup-compatibility/2006">
-    <mc:Choice xmlns:p14="http://schemas.microsoft.com/office/powerpoint/2010/main" Requires="p14">
+  <mc:AlternateContent xmlns:mc="http://schemas.openxmlformats.org/markup-compatibility/2006" xmlns:p14="http://schemas.microsoft.com/office/powerpoint/2010/main">
+    <mc:Choice Requires="p14">
       <p:transition spd="slow" p14:dur="1500">
         <p:split orient="vert"/>
       </p:transition>
     </mc:Choice>
-    <mc:Fallback>
+    <mc:Fallback xmlns="">
       <p:transition spd="slow">
         <p:split orient="vert"/>
       </p:transition>
@@ -9815,7 +9794,7 @@
                                     <p:cond delay="0"/>
                                   </p:stCondLst>
                                   <p:childTnLst>
-                                    <p:animMotion origin="layout" path="M -0.00295 -0.46111 L 1.94444E-6 2.22222E-6 " pathEditMode="relative" rAng="0" ptsTypes="AA">
+                                    <p:animMotion origin="layout" path="M 1.11022E-16 -0.71667 L 1.11022E-16 2.22222E-6 " pathEditMode="relative" rAng="0" ptsTypes="AA">
                                       <p:cBhvr>
                                         <p:cTn id="16" dur="10" spd="-100000" fill="hold"/>
                                         <p:tgtEl>
@@ -9826,7 +9805,29 @@
                                           <p:attrName>ppt_y</p:attrName>
                                         </p:attrNameLst>
                                       </p:cBhvr>
-                                      <p:rCtr x="139" y="23056"/>
+                                      <p:rCtr x="0" y="35833"/>
+                                    </p:animMotion>
+                                  </p:childTnLst>
+                                </p:cTn>
+                              </p:par>
+                              <p:par>
+                                <p:cTn id="17" presetID="42" presetClass="path" presetSubtype="0" accel="50000" decel="50000" fill="hold" nodeType="withEffect">
+                                  <p:stCondLst>
+                                    <p:cond delay="0"/>
+                                  </p:stCondLst>
+                                  <p:childTnLst>
+                                    <p:animMotion origin="layout" path="M 3.33333E-6 -0.16111 L 3.33333E-6 0.15 " pathEditMode="relative" rAng="0" ptsTypes="AA">
+                                      <p:cBhvr>
+                                        <p:cTn id="18" dur="10" spd="-100000" fill="hold"/>
+                                        <p:tgtEl>
+                                          <p:spTgt spid="64519"/>
+                                        </p:tgtEl>
+                                        <p:attrNameLst>
+                                          <p:attrName>ppt_x</p:attrName>
+                                          <p:attrName>ppt_y</p:attrName>
+                                        </p:attrNameLst>
+                                      </p:cBhvr>
+                                      <p:rCtr x="0" y="15556"/>
                                     </p:animMotion>
                                   </p:childTnLst>
                                 </p:cTn>
@@ -9888,14 +9889,14 @@
           <p:nvPr>
             <p:extLst>
               <p:ext uri="{D42A27DB-BD31-4B8C-83A1-F6EECF244321}">
-                <p14:modId xmlns:p14="http://schemas.microsoft.com/office/powerpoint/2010/main" val="1499267286"/>
+                <p14:modId xmlns:p14="http://schemas.microsoft.com/office/powerpoint/2010/main" val="3616188805"/>
               </p:ext>
             </p:extLst>
           </p:nvPr>
         </p:nvGraphicFramePr>
         <p:xfrm>
           <a:off x="0" y="-76200"/>
-          <a:ext cx="9144001" cy="11957332"/>
+          <a:ext cx="9144001" cy="11306076"/>
         </p:xfrm>
         <a:graphic>
           <a:graphicData uri="http://schemas.openxmlformats.org/drawingml/2006/table">
@@ -10843,7 +10844,19 @@
                         <a:rPr lang="en-US" sz="1800">
                           <a:effectLst/>
                         </a:rPr>
-                        <a:t>     - Number of post-release defects found (to calibrate our estimating abilities) (measured by defects): X</a:t>
+                        <a:t>     - Number of post-release defects found </a:t>
+                      </a:r>
+                      <a:r>
+                        <a:rPr lang="en-US" sz="1800" smtClean="0">
+                          <a:effectLst/>
+                        </a:rPr>
+                        <a:t>(</a:t>
+                      </a:r>
+                      <a:r>
+                        <a:rPr lang="en-US" sz="1800">
+                          <a:effectLst/>
+                        </a:rPr>
+                        <a:t>measured by defects): X</a:t>
                       </a:r>
                     </a:p>
                     <a:p>
@@ -10862,7 +10875,19 @@
                         <a:rPr lang="en-US" sz="1800">
                           <a:effectLst/>
                         </a:rPr>
-                        <a:t>     - Number of pre-release defects fixed from the product (to assess product quality) (measured by defects): D</a:t>
+                        <a:t>     - Number of pre-release defects fixed from the product </a:t>
+                      </a:r>
+                      <a:r>
+                        <a:rPr lang="en-US" sz="1800" smtClean="0">
+                          <a:effectLst/>
+                        </a:rPr>
+                        <a:t>(</a:t>
+                      </a:r>
+                      <a:r>
+                        <a:rPr lang="en-US" sz="1800">
+                          <a:effectLst/>
+                        </a:rPr>
+                        <a:t>measured by defects): D</a:t>
                       </a:r>
                     </a:p>
                     <a:p>
@@ -11137,7 +11162,7 @@
       </p:pic>
       <p:pic>
         <p:nvPicPr>
-          <p:cNvPr id="16" name="Picture 4"/>
+          <p:cNvPr id="57346" name="Picture 2"/>
           <p:cNvPicPr>
             <a:picLocks noChangeAspect="1" noChangeArrowheads="1"/>
           </p:cNvPicPr>
@@ -11145,47 +11170,6 @@
         </p:nvPicPr>
         <p:blipFill>
           <a:blip r:embed="rId5">
-            <a:extLst>
-              <a:ext uri="{28A0092B-C50C-407E-A947-70E740481C1C}">
-                <a14:useLocalDpi xmlns:a14="http://schemas.microsoft.com/office/drawing/2010/main" val="0"/>
-              </a:ext>
-            </a:extLst>
-          </a:blip>
-          <a:srcRect/>
-          <a:stretch>
-            <a:fillRect/>
-          </a:stretch>
-        </p:blipFill>
-        <p:spPr bwMode="auto">
-          <a:xfrm>
-            <a:off x="6027938" y="9677400"/>
-            <a:ext cx="1278965" cy="609600"/>
-          </a:xfrm>
-          <a:prstGeom prst="rect">
-            <a:avLst/>
-          </a:prstGeom>
-          <a:noFill/>
-          <a:extLst>
-            <a:ext uri="{909E8E84-426E-40DD-AFC4-6F175D3DCCD1}">
-              <a14:hiddenFill xmlns:a14="http://schemas.microsoft.com/office/drawing/2010/main">
-                <a:solidFill>
-                  <a:srgbClr val="FFFFFF"/>
-                </a:solidFill>
-              </a14:hiddenFill>
-            </a:ext>
-          </a:extLst>
-        </p:spPr>
-      </p:pic>
-      <p:pic>
-        <p:nvPicPr>
-          <p:cNvPr id="57346" name="Picture 2"/>
-          <p:cNvPicPr>
-            <a:picLocks noChangeAspect="1" noChangeArrowheads="1"/>
-          </p:cNvPicPr>
-          <p:nvPr/>
-        </p:nvPicPr>
-        <p:blipFill>
-          <a:blip r:embed="rId6">
             <a:extLst>
               <a:ext uri="{28A0092B-C50C-407E-A947-70E740481C1C}">
                 <a14:useLocalDpi xmlns:a14="http://schemas.microsoft.com/office/drawing/2010/main" val="0"/>
@@ -11700,7 +11684,7 @@
         </p:nvGraphicFramePr>
         <p:xfrm>
           <a:off x="1496291" y="914400"/>
-          <a:ext cx="7495309" cy="4651930"/>
+          <a:ext cx="7495309" cy="4672250"/>
         </p:xfrm>
         <a:graphic>
           <a:graphicData uri="http://schemas.openxmlformats.org/drawingml/2006/table">
@@ -12261,13 +12245,13 @@
   <p:clrMapOvr>
     <a:masterClrMapping/>
   </p:clrMapOvr>
-  <mc:AlternateContent xmlns:mc="http://schemas.openxmlformats.org/markup-compatibility/2006">
-    <mc:Choice xmlns:p14="http://schemas.microsoft.com/office/powerpoint/2010/main" Requires="p14">
+  <mc:AlternateContent xmlns:mc="http://schemas.openxmlformats.org/markup-compatibility/2006" xmlns:p14="http://schemas.microsoft.com/office/powerpoint/2010/main">
+    <mc:Choice Requires="p14">
       <p:transition spd="slow" p14:dur="800">
         <p:circle/>
       </p:transition>
     </mc:Choice>
-    <mc:Fallback>
+    <mc:Fallback xmlns="">
       <p:transition spd="slow">
         <p:circle/>
       </p:transition>
@@ -14078,11 +14062,6 @@
               </a:ln>
               <a:effectLst/>
               <a:extLst>
-                <a:ext uri="{909E8E84-426E-40DD-AFC4-6F175D3DCCD1}">
-                  <a14:hiddenFill xmlns:a14="http://schemas.microsoft.com/office/drawing/2010/main">
-                    <a:noFill/>
-                  </a14:hiddenFill>
-                </a:ext>
                 <a:ext uri="{AF507438-7753-43E0-B8FC-AC1667EBCBE1}">
                   <a14:hiddenEffects xmlns:a14="http://schemas.microsoft.com/office/drawing/2010/main">
                     <a:effectLst>
@@ -14176,11 +14155,6 @@
             </a:ln>
             <a:effectLst/>
             <a:extLst>
-              <a:ext uri="{909E8E84-426E-40DD-AFC4-6F175D3DCCD1}">
-                <a14:hiddenFill xmlns:a14="http://schemas.microsoft.com/office/drawing/2010/main">
-                  <a:noFill/>
-                </a14:hiddenFill>
-              </a:ext>
               <a:ext uri="{AF507438-7753-43E0-B8FC-AC1667EBCBE1}">
                 <a14:hiddenEffects xmlns:a14="http://schemas.microsoft.com/office/drawing/2010/main">
                   <a:effectLst>
@@ -14249,11 +14223,6 @@
             </a:ln>
             <a:effectLst/>
             <a:extLst>
-              <a:ext uri="{909E8E84-426E-40DD-AFC4-6F175D3DCCD1}">
-                <a14:hiddenFill xmlns:a14="http://schemas.microsoft.com/office/drawing/2010/main">
-                  <a:noFill/>
-                </a14:hiddenFill>
-              </a:ext>
               <a:ext uri="{AF507438-7753-43E0-B8FC-AC1667EBCBE1}">
                 <a14:hiddenEffects xmlns:a14="http://schemas.microsoft.com/office/drawing/2010/main">
                   <a:effectLst>
@@ -14346,11 +14315,6 @@
             </a:ln>
             <a:effectLst/>
             <a:extLst>
-              <a:ext uri="{909E8E84-426E-40DD-AFC4-6F175D3DCCD1}">
-                <a14:hiddenFill xmlns:a14="http://schemas.microsoft.com/office/drawing/2010/main">
-                  <a:noFill/>
-                </a14:hiddenFill>
-              </a:ext>
               <a:ext uri="{AF507438-7753-43E0-B8FC-AC1667EBCBE1}">
                 <a14:hiddenEffects xmlns:a14="http://schemas.microsoft.com/office/drawing/2010/main">
                   <a:effectLst>
@@ -14376,13 +14340,13 @@
   <p:clrMapOvr>
     <a:masterClrMapping/>
   </p:clrMapOvr>
-  <mc:AlternateContent xmlns:mc="http://schemas.openxmlformats.org/markup-compatibility/2006">
-    <mc:Choice xmlns:p14="http://schemas.microsoft.com/office/powerpoint/2010/main" Requires="p14">
+  <mc:AlternateContent xmlns:mc="http://schemas.openxmlformats.org/markup-compatibility/2006" xmlns:p14="http://schemas.microsoft.com/office/powerpoint/2010/main">
+    <mc:Choice Requires="p14">
       <p:transition spd="slow" p14:dur="1500">
         <p14:window dir="vert"/>
       </p:transition>
     </mc:Choice>
-    <mc:Fallback>
+    <mc:Fallback xmlns="">
       <p:transition spd="slow">
         <p:fade/>
       </p:transition>
@@ -20564,13 +20528,13 @@
   <p:clrMapOvr>
     <a:masterClrMapping/>
   </p:clrMapOvr>
-  <mc:AlternateContent xmlns:mc="http://schemas.openxmlformats.org/markup-compatibility/2006">
-    <mc:Choice xmlns:p14="http://schemas.microsoft.com/office/powerpoint/2010/main" Requires="p14">
+  <mc:AlternateContent xmlns:mc="http://schemas.openxmlformats.org/markup-compatibility/2006" xmlns:p14="http://schemas.microsoft.com/office/powerpoint/2010/main">
+    <mc:Choice Requires="p14">
       <p:transition spd="slow">
         <p14:conveyor dir="l"/>
       </p:transition>
     </mc:Choice>
-    <mc:Fallback>
+    <mc:Fallback xmlns="">
       <p:transition spd="slow">
         <p:fade/>
       </p:transition>
